--- a/ModelRuns/ModelComparisons-TCSAM02/Tables_ModelDescription.pptx
+++ b/ModelRuns/ModelComparisons-TCSAM02/Tables_ModelDescription.pptx
@@ -204,7 +204,7 @@
           <a:p>
             <a:fld id="{79B864E5-D1E2-2945-9D87-0E3C7992DE9B}" type="datetimeFigureOut">
               <a:rPr lang="en-US" smtClean="0"/>
-              <a:t>4/27/25</a:t>
+              <a:t>5/3/25</a:t>
             </a:fld>
             <a:endParaRPr lang="en-US"/>
           </a:p>
@@ -705,7 +705,7 @@
           <a:p>
             <a:fld id="{D37CB2C3-4445-9640-9D38-E18A2905B9AB}" type="datetimeFigureOut">
               <a:rPr lang="en-US" smtClean="0"/>
-              <a:t>4/27/25</a:t>
+              <a:t>5/3/25</a:t>
             </a:fld>
             <a:endParaRPr lang="en-US"/>
           </a:p>
@@ -903,7 +903,7 @@
           <a:p>
             <a:fld id="{D37CB2C3-4445-9640-9D38-E18A2905B9AB}" type="datetimeFigureOut">
               <a:rPr lang="en-US" smtClean="0"/>
-              <a:t>4/27/25</a:t>
+              <a:t>5/3/25</a:t>
             </a:fld>
             <a:endParaRPr lang="en-US"/>
           </a:p>
@@ -1111,7 +1111,7 @@
           <a:p>
             <a:fld id="{D37CB2C3-4445-9640-9D38-E18A2905B9AB}" type="datetimeFigureOut">
               <a:rPr lang="en-US" smtClean="0"/>
-              <a:t>4/27/25</a:t>
+              <a:t>5/3/25</a:t>
             </a:fld>
             <a:endParaRPr lang="en-US"/>
           </a:p>
@@ -1309,7 +1309,7 @@
           <a:p>
             <a:fld id="{D37CB2C3-4445-9640-9D38-E18A2905B9AB}" type="datetimeFigureOut">
               <a:rPr lang="en-US" smtClean="0"/>
-              <a:t>4/27/25</a:t>
+              <a:t>5/3/25</a:t>
             </a:fld>
             <a:endParaRPr lang="en-US"/>
           </a:p>
@@ -1584,7 +1584,7 @@
           <a:p>
             <a:fld id="{D37CB2C3-4445-9640-9D38-E18A2905B9AB}" type="datetimeFigureOut">
               <a:rPr lang="en-US" smtClean="0"/>
-              <a:t>4/27/25</a:t>
+              <a:t>5/3/25</a:t>
             </a:fld>
             <a:endParaRPr lang="en-US"/>
           </a:p>
@@ -1849,7 +1849,7 @@
           <a:p>
             <a:fld id="{D37CB2C3-4445-9640-9D38-E18A2905B9AB}" type="datetimeFigureOut">
               <a:rPr lang="en-US" smtClean="0"/>
-              <a:t>4/27/25</a:t>
+              <a:t>5/3/25</a:t>
             </a:fld>
             <a:endParaRPr lang="en-US"/>
           </a:p>
@@ -2261,7 +2261,7 @@
           <a:p>
             <a:fld id="{D37CB2C3-4445-9640-9D38-E18A2905B9AB}" type="datetimeFigureOut">
               <a:rPr lang="en-US" smtClean="0"/>
-              <a:t>4/27/25</a:t>
+              <a:t>5/3/25</a:t>
             </a:fld>
             <a:endParaRPr lang="en-US"/>
           </a:p>
@@ -2402,7 +2402,7 @@
           <a:p>
             <a:fld id="{D37CB2C3-4445-9640-9D38-E18A2905B9AB}" type="datetimeFigureOut">
               <a:rPr lang="en-US" smtClean="0"/>
-              <a:t>4/27/25</a:t>
+              <a:t>5/3/25</a:t>
             </a:fld>
             <a:endParaRPr lang="en-US"/>
           </a:p>
@@ -2515,7 +2515,7 @@
           <a:p>
             <a:fld id="{D37CB2C3-4445-9640-9D38-E18A2905B9AB}" type="datetimeFigureOut">
               <a:rPr lang="en-US" smtClean="0"/>
-              <a:t>4/27/25</a:t>
+              <a:t>5/3/25</a:t>
             </a:fld>
             <a:endParaRPr lang="en-US"/>
           </a:p>
@@ -2826,7 +2826,7 @@
           <a:p>
             <a:fld id="{D37CB2C3-4445-9640-9D38-E18A2905B9AB}" type="datetimeFigureOut">
               <a:rPr lang="en-US" smtClean="0"/>
-              <a:t>4/27/25</a:t>
+              <a:t>5/3/25</a:t>
             </a:fld>
             <a:endParaRPr lang="en-US"/>
           </a:p>
@@ -3114,7 +3114,7 @@
           <a:p>
             <a:fld id="{D37CB2C3-4445-9640-9D38-E18A2905B9AB}" type="datetimeFigureOut">
               <a:rPr lang="en-US" smtClean="0"/>
-              <a:t>4/27/25</a:t>
+              <a:t>5/3/25</a:t>
             </a:fld>
             <a:endParaRPr lang="en-US"/>
           </a:p>
@@ -3355,7 +3355,7 @@
           <a:p>
             <a:fld id="{D37CB2C3-4445-9640-9D38-E18A2905B9AB}" type="datetimeFigureOut">
               <a:rPr lang="en-US" smtClean="0"/>
-              <a:t>4/27/25</a:t>
+              <a:t>5/3/25</a:t>
             </a:fld>
             <a:endParaRPr lang="en-US"/>
           </a:p>
@@ -3954,10 +3954,10 @@
       </p:grpSpPr>
       <p:pic>
         <p:nvPicPr>
-          <p:cNvPr id="2" name="Picture 1">
-            <a:extLst>
-              <a:ext uri="{FF2B5EF4-FFF2-40B4-BE49-F238E27FC236}">
-                <a16:creationId xmlns:a16="http://schemas.microsoft.com/office/drawing/2014/main" id="{93342863-04A7-ADF1-5A37-80C967A455EB}"/>
+          <p:cNvPr id="3" name="Picture 2">
+            <a:extLst>
+              <a:ext uri="{FF2B5EF4-FFF2-40B4-BE49-F238E27FC236}">
+                <a16:creationId xmlns:a16="http://schemas.microsoft.com/office/drawing/2014/main" id="{4DE510B7-5C40-ED65-7863-A00BEA952F47}"/>
               </a:ext>
             </a:extLst>
           </p:cNvPr>
